--- a/Proyecto.pptx
+++ b/Proyecto.pptx
@@ -121,11 +121,41 @@
 <pc:chgInfo xmlns:a="http://schemas.openxmlformats.org/drawingml/2006/main" xmlns:r="http://schemas.openxmlformats.org/officeDocument/2006/relationships" xmlns:ac="http://schemas.microsoft.com/office/drawing/2013/main/command" xmlns:pc="http://schemas.microsoft.com/office/powerpoint/2013/main/command">
   <pc:docChgLst>
     <pc:chgData name="enzo varela macias" userId="28e8bbd065e56c27" providerId="LiveId" clId="{BD8FEA6F-FEFC-421A-A7B6-4AB682AA3E31}"/>
-    <pc:docChg chg="modSld">
-      <pc:chgData name="enzo varela macias" userId="28e8bbd065e56c27" providerId="LiveId" clId="{BD8FEA6F-FEFC-421A-A7B6-4AB682AA3E31}" dt="2021-06-08T00:18:51.929" v="12" actId="20577"/>
+    <pc:docChg chg="custSel modSld">
+      <pc:chgData name="enzo varela macias" userId="28e8bbd065e56c27" providerId="LiveId" clId="{BD8FEA6F-FEFC-421A-A7B6-4AB682AA3E31}" dt="2021-06-09T02:45:59.695" v="39" actId="313"/>
       <pc:docMkLst>
         <pc:docMk/>
       </pc:docMkLst>
+      <pc:sldChg chg="modSp mod">
+        <pc:chgData name="enzo varela macias" userId="28e8bbd065e56c27" providerId="LiveId" clId="{BD8FEA6F-FEFC-421A-A7B6-4AB682AA3E31}" dt="2021-06-09T02:45:59.695" v="39" actId="313"/>
+        <pc:sldMkLst>
+          <pc:docMk/>
+          <pc:sldMk cId="1297500952" sldId="256"/>
+        </pc:sldMkLst>
+        <pc:spChg chg="mod">
+          <ac:chgData name="enzo varela macias" userId="28e8bbd065e56c27" providerId="LiveId" clId="{BD8FEA6F-FEFC-421A-A7B6-4AB682AA3E31}" dt="2021-06-09T02:45:59.695" v="39" actId="313"/>
+          <ac:spMkLst>
+            <pc:docMk/>
+            <pc:sldMk cId="1297500952" sldId="256"/>
+            <ac:spMk id="7" creationId="{475D33A3-BA91-4487-AAD9-CFBC2D954F5B}"/>
+          </ac:spMkLst>
+        </pc:spChg>
+      </pc:sldChg>
+      <pc:sldChg chg="modSp mod">
+        <pc:chgData name="enzo varela macias" userId="28e8bbd065e56c27" providerId="LiveId" clId="{BD8FEA6F-FEFC-421A-A7B6-4AB682AA3E31}" dt="2021-06-09T02:45:48.769" v="38" actId="20577"/>
+        <pc:sldMkLst>
+          <pc:docMk/>
+          <pc:sldMk cId="2905493246" sldId="258"/>
+        </pc:sldMkLst>
+        <pc:spChg chg="mod">
+          <ac:chgData name="enzo varela macias" userId="28e8bbd065e56c27" providerId="LiveId" clId="{BD8FEA6F-FEFC-421A-A7B6-4AB682AA3E31}" dt="2021-06-09T02:45:48.769" v="38" actId="20577"/>
+          <ac:spMkLst>
+            <pc:docMk/>
+            <pc:sldMk cId="2905493246" sldId="258"/>
+            <ac:spMk id="3" creationId="{AAFA582B-7F1E-48BC-8CE6-32D0A71F5E2D}"/>
+          </ac:spMkLst>
+        </pc:spChg>
+      </pc:sldChg>
       <pc:sldChg chg="modSp mod">
         <pc:chgData name="enzo varela macias" userId="28e8bbd065e56c27" providerId="LiveId" clId="{BD8FEA6F-FEFC-421A-A7B6-4AB682AA3E31}" dt="2021-06-08T00:18:51.929" v="12" actId="20577"/>
         <pc:sldMkLst>
@@ -372,7 +402,7 @@
           <a:p>
             <a:fld id="{C383C1A5-EE0E-405A-93D6-5B23518E04FD}" type="datetimeFigureOut">
               <a:rPr lang="es-CO" smtClean="0"/>
-              <a:t>7/06/2021</a:t>
+              <a:t>8/06/2021</a:t>
             </a:fld>
             <a:endParaRPr lang="es-CO"/>
           </a:p>
@@ -580,7 +610,7 @@
           <a:p>
             <a:fld id="{C383C1A5-EE0E-405A-93D6-5B23518E04FD}" type="datetimeFigureOut">
               <a:rPr lang="es-CO" smtClean="0"/>
-              <a:t>7/06/2021</a:t>
+              <a:t>8/06/2021</a:t>
             </a:fld>
             <a:endParaRPr lang="es-CO"/>
           </a:p>
@@ -836,7 +866,7 @@
           <a:p>
             <a:fld id="{C383C1A5-EE0E-405A-93D6-5B23518E04FD}" type="datetimeFigureOut">
               <a:rPr lang="es-CO" smtClean="0"/>
-              <a:t>7/06/2021</a:t>
+              <a:t>8/06/2021</a:t>
             </a:fld>
             <a:endParaRPr lang="es-CO"/>
           </a:p>
@@ -1010,7 +1040,7 @@
           <a:p>
             <a:fld id="{C383C1A5-EE0E-405A-93D6-5B23518E04FD}" type="datetimeFigureOut">
               <a:rPr lang="es-CO" smtClean="0"/>
-              <a:t>7/06/2021</a:t>
+              <a:t>8/06/2021</a:t>
             </a:fld>
             <a:endParaRPr lang="es-CO"/>
           </a:p>
@@ -1353,7 +1383,7 @@
           <a:p>
             <a:fld id="{C383C1A5-EE0E-405A-93D6-5B23518E04FD}" type="datetimeFigureOut">
               <a:rPr lang="es-CO" smtClean="0"/>
-              <a:t>7/06/2021</a:t>
+              <a:t>8/06/2021</a:t>
             </a:fld>
             <a:endParaRPr lang="es-CO"/>
           </a:p>
@@ -1628,7 +1658,7 @@
           <a:p>
             <a:fld id="{C383C1A5-EE0E-405A-93D6-5B23518E04FD}" type="datetimeFigureOut">
               <a:rPr lang="es-CO" smtClean="0"/>
-              <a:t>7/06/2021</a:t>
+              <a:t>8/06/2021</a:t>
             </a:fld>
             <a:endParaRPr lang="es-CO"/>
           </a:p>
@@ -2007,7 +2037,7 @@
           <a:p>
             <a:fld id="{C383C1A5-EE0E-405A-93D6-5B23518E04FD}" type="datetimeFigureOut">
               <a:rPr lang="es-CO" smtClean="0"/>
-              <a:t>7/06/2021</a:t>
+              <a:t>8/06/2021</a:t>
             </a:fld>
             <a:endParaRPr lang="es-CO"/>
           </a:p>
@@ -2125,7 +2155,7 @@
           <a:p>
             <a:fld id="{C383C1A5-EE0E-405A-93D6-5B23518E04FD}" type="datetimeFigureOut">
               <a:rPr lang="es-CO" smtClean="0"/>
-              <a:t>7/06/2021</a:t>
+              <a:t>8/06/2021</a:t>
             </a:fld>
             <a:endParaRPr lang="es-CO"/>
           </a:p>
@@ -2296,7 +2326,7 @@
           <a:p>
             <a:fld id="{C383C1A5-EE0E-405A-93D6-5B23518E04FD}" type="datetimeFigureOut">
               <a:rPr lang="es-CO" smtClean="0"/>
-              <a:t>7/06/2021</a:t>
+              <a:t>8/06/2021</a:t>
             </a:fld>
             <a:endParaRPr lang="es-CO"/>
           </a:p>
@@ -2650,7 +2680,7 @@
           <a:p>
             <a:fld id="{C383C1A5-EE0E-405A-93D6-5B23518E04FD}" type="datetimeFigureOut">
               <a:rPr lang="es-CO" smtClean="0"/>
-              <a:t>7/06/2021</a:t>
+              <a:t>8/06/2021</a:t>
             </a:fld>
             <a:endParaRPr lang="es-CO"/>
           </a:p>
@@ -3032,7 +3062,7 @@
           <a:p>
             <a:fld id="{C383C1A5-EE0E-405A-93D6-5B23518E04FD}" type="datetimeFigureOut">
               <a:rPr lang="es-CO" smtClean="0"/>
-              <a:t>7/06/2021</a:t>
+              <a:t>8/06/2021</a:t>
             </a:fld>
             <a:endParaRPr lang="es-CO"/>
           </a:p>
@@ -3319,7 +3349,7 @@
           <a:p>
             <a:fld id="{C383C1A5-EE0E-405A-93D6-5B23518E04FD}" type="datetimeFigureOut">
               <a:rPr lang="es-CO" smtClean="0"/>
-              <a:t>7/06/2021</a:t>
+              <a:t>8/06/2021</a:t>
             </a:fld>
             <a:endParaRPr lang="es-CO"/>
           </a:p>
@@ -3974,15 +4004,7 @@
             </a:pPr>
             <a:r>
               <a:rPr lang="es-CO" dirty="0"/>
-              <a:t>Andrés Eduardo Guaca </a:t>
-            </a:r>
-            <a:r>
-              <a:rPr lang="es-CO" dirty="0" err="1"/>
-              <a:t>Gomez</a:t>
-            </a:r>
-            <a:r>
-              <a:rPr lang="es-CO" dirty="0"/>
-              <a:t>.</a:t>
+              <a:t>Andrés Eduardo Guaca Gómez.</a:t>
             </a:r>
           </a:p>
           <a:p>
@@ -4224,7 +4246,9 @@
         </p:nvSpPr>
         <p:spPr/>
         <p:txBody>
-          <a:bodyPr/>
+          <a:bodyPr>
+            <a:normAutofit fontScale="92500" lnSpcReduction="20000"/>
+          </a:bodyPr>
           <a:lstStyle/>
           <a:p>
             <a:pPr marL="457200" indent="-457200">
@@ -4330,6 +4354,16 @@
             <a:r>
               <a:rPr lang="es-CO" dirty="0"/>
               <a:t>Manejo de archivos. </a:t>
+            </a:r>
+          </a:p>
+          <a:p>
+            <a:pPr marL="457200" indent="-457200">
+              <a:buFont typeface="+mj-lt"/>
+              <a:buAutoNum type="arabicPeriod"/>
+            </a:pPr>
+            <a:r>
+              <a:rPr lang="es-CO" dirty="0"/>
+              <a:t>Manejo de excepciones.</a:t>
             </a:r>
           </a:p>
           <a:p>

--- a/Proyecto.pptx
+++ b/Proyecto.pptx
@@ -11,6 +11,7 @@
     <p:sldId id="259" r:id="rId5"/>
     <p:sldId id="260" r:id="rId6"/>
     <p:sldId id="261" r:id="rId7"/>
+    <p:sldId id="262" r:id="rId8"/>
   </p:sldIdLst>
   <p:sldSz cx="12192000" cy="6858000"/>
   <p:notesSz cx="6858000" cy="9144000"/>
@@ -121,8 +122,8 @@
 <pc:chgInfo xmlns:a="http://schemas.openxmlformats.org/drawingml/2006/main" xmlns:r="http://schemas.openxmlformats.org/officeDocument/2006/relationships" xmlns:ac="http://schemas.microsoft.com/office/drawing/2013/main/command" xmlns:pc="http://schemas.microsoft.com/office/powerpoint/2013/main/command">
   <pc:docChgLst>
     <pc:chgData name="enzo varela macias" userId="28e8bbd065e56c27" providerId="LiveId" clId="{BD8FEA6F-FEFC-421A-A7B6-4AB682AA3E31}"/>
-    <pc:docChg chg="custSel modSld">
-      <pc:chgData name="enzo varela macias" userId="28e8bbd065e56c27" providerId="LiveId" clId="{BD8FEA6F-FEFC-421A-A7B6-4AB682AA3E31}" dt="2021-06-09T02:45:59.695" v="39" actId="313"/>
+    <pc:docChg chg="custSel addSld modSld">
+      <pc:chgData name="enzo varela macias" userId="28e8bbd065e56c27" providerId="LiveId" clId="{BD8FEA6F-FEFC-421A-A7B6-4AB682AA3E31}" dt="2021-06-09T03:12:48.373" v="63" actId="20577"/>
       <pc:docMkLst>
         <pc:docMk/>
       </pc:docMkLst>
@@ -168,6 +169,21 @@
             <pc:docMk/>
             <pc:sldMk cId="375542738" sldId="261"/>
             <ac:spMk id="3" creationId="{E81A491A-8F97-4453-96DA-DB9723A6C85E}"/>
+          </ac:spMkLst>
+        </pc:spChg>
+      </pc:sldChg>
+      <pc:sldChg chg="modSp new mod">
+        <pc:chgData name="enzo varela macias" userId="28e8bbd065e56c27" providerId="LiveId" clId="{BD8FEA6F-FEFC-421A-A7B6-4AB682AA3E31}" dt="2021-06-09T03:12:48.373" v="63" actId="20577"/>
+        <pc:sldMkLst>
+          <pc:docMk/>
+          <pc:sldMk cId="1252294417" sldId="262"/>
+        </pc:sldMkLst>
+        <pc:spChg chg="mod">
+          <ac:chgData name="enzo varela macias" userId="28e8bbd065e56c27" providerId="LiveId" clId="{BD8FEA6F-FEFC-421A-A7B6-4AB682AA3E31}" dt="2021-06-09T03:12:48.373" v="63" actId="20577"/>
+          <ac:spMkLst>
+            <pc:docMk/>
+            <pc:sldMk cId="1252294417" sldId="262"/>
+            <ac:spMk id="2" creationId="{06188AAE-E968-422A-A8D2-F05007F3C7C4}"/>
           </ac:spMkLst>
         </pc:spChg>
       </pc:sldChg>
@@ -4851,6 +4867,89 @@
 </p:sld>
 </file>
 
+<file path=ppt/slides/slide7.xml><?xml version="1.0" encoding="utf-8"?>
+<p:sld xmlns:a="http://schemas.openxmlformats.org/drawingml/2006/main" xmlns:r="http://schemas.openxmlformats.org/officeDocument/2006/relationships" xmlns:p="http://schemas.openxmlformats.org/presentationml/2006/main">
+  <p:cSld>
+    <p:spTree>
+      <p:nvGrpSpPr>
+        <p:cNvPr id="1" name=""/>
+        <p:cNvGrpSpPr/>
+        <p:nvPr/>
+      </p:nvGrpSpPr>
+      <p:grpSpPr>
+        <a:xfrm>
+          <a:off x="0" y="0"/>
+          <a:ext cx="0" cy="0"/>
+          <a:chOff x="0" y="0"/>
+          <a:chExt cx="0" cy="0"/>
+        </a:xfrm>
+      </p:grpSpPr>
+      <p:sp>
+        <p:nvSpPr>
+          <p:cNvPr id="2" name="Título 1">
+            <a:extLst>
+              <a:ext uri="{FF2B5EF4-FFF2-40B4-BE49-F238E27FC236}">
+                <a16:creationId xmlns:a16="http://schemas.microsoft.com/office/drawing/2014/main" id="{06188AAE-E968-422A-A8D2-F05007F3C7C4}"/>
+              </a:ext>
+            </a:extLst>
+          </p:cNvPr>
+          <p:cNvSpPr>
+            <a:spLocks noGrp="1"/>
+          </p:cNvSpPr>
+          <p:nvPr>
+            <p:ph type="title"/>
+          </p:nvPr>
+        </p:nvSpPr>
+        <p:spPr/>
+        <p:txBody>
+          <a:bodyPr/>
+          <a:lstStyle/>
+          <a:p>
+            <a:r>
+              <a:rPr lang="es-CO" dirty="0"/>
+              <a:t>Preguntas y Respuestas.</a:t>
+            </a:r>
+          </a:p>
+        </p:txBody>
+      </p:sp>
+      <p:sp>
+        <p:nvSpPr>
+          <p:cNvPr id="3" name="Marcador de contenido 2">
+            <a:extLst>
+              <a:ext uri="{FF2B5EF4-FFF2-40B4-BE49-F238E27FC236}">
+                <a16:creationId xmlns:a16="http://schemas.microsoft.com/office/drawing/2014/main" id="{8EE1C639-C910-446E-B772-AE23281C634C}"/>
+              </a:ext>
+            </a:extLst>
+          </p:cNvPr>
+          <p:cNvSpPr>
+            <a:spLocks noGrp="1"/>
+          </p:cNvSpPr>
+          <p:nvPr>
+            <p:ph idx="1"/>
+          </p:nvPr>
+        </p:nvSpPr>
+        <p:spPr/>
+        <p:txBody>
+          <a:bodyPr/>
+          <a:lstStyle/>
+          <a:p>
+            <a:endParaRPr lang="es-CO"/>
+          </a:p>
+        </p:txBody>
+      </p:sp>
+    </p:spTree>
+    <p:extLst>
+      <p:ext uri="{BB962C8B-B14F-4D97-AF65-F5344CB8AC3E}">
+        <p14:creationId xmlns:p14="http://schemas.microsoft.com/office/powerpoint/2010/main" val="1252294417"/>
+      </p:ext>
+    </p:extLst>
+  </p:cSld>
+  <p:clrMapOvr>
+    <a:masterClrMapping/>
+  </p:clrMapOvr>
+</p:sld>
+</file>
+
 <file path=ppt/theme/theme1.xml><?xml version="1.0" encoding="utf-8"?>
 <a:theme xmlns:a="http://schemas.openxmlformats.org/drawingml/2006/main" name="Retrospección">
   <a:themeElements>
